--- a/python/navigation/길 찾기 프로그램.pptx
+++ b/python/navigation/길 찾기 프로그램.pptx
@@ -2,7 +2,7 @@
 <file path=ppt/presentation.xml><?xml version="1.0" encoding="utf-8"?>
 <p:presentation xmlns:r="http://schemas.openxmlformats.org/officeDocument/2006/relationships" xmlns:c="http://schemas.openxmlformats.org/drawingml/2006/chart" xmlns:a="http://schemas.openxmlformats.org/drawingml/2006/main" xmlns:dgm="http://schemas.openxmlformats.org/drawingml/2006/diagram" xmlns:dsp="http://schemas.microsoft.com/office/drawing/2008/diagram" xmlns:p="http://schemas.openxmlformats.org/presentationml/2006/main">
   <p:sldMasterIdLst>
-    <p:sldMasterId id="2147483844" r:id="rId1"/>
+    <p:sldMasterId id="2147483836" r:id="rId1"/>
   </p:sldMasterIdLst>
   <p:notesMasterIdLst>
     <p:notesMasterId r:id="rId2"/>
@@ -212,7 +212,7 @@
               <a:pPr lvl="0">
                 <a:defRPr/>
               </a:pPr>
-              <a:t>2021-09-26</a:t>
+              <a:t>2021-09-27</a:t>
             </a:fld>
             <a:endParaRPr lang="ko-KR" altLang="en-US"/>
           </a:p>
@@ -9453,10 +9453,10 @@
               <a:defRPr/>
             </a:pPr>
             <a:r>
-              <a:rPr lang="ko-KR" altLang="en-US"/>
+              <a:rPr lang="ko-KR" altLang="en-US" sz="3200"/>
               <a:t>동작 계획</a:t>
             </a:r>
-            <a:endParaRPr lang="ko-KR" altLang="en-US"/>
+            <a:endParaRPr lang="ko-KR" altLang="en-US" sz="3200"/>
           </a:p>
           <a:p>
             <a:pPr marL="404000" indent="-444000">
@@ -9464,10 +9464,10 @@
               <a:defRPr/>
             </a:pPr>
             <a:r>
-              <a:rPr lang="ko-KR" altLang="en-US"/>
+              <a:rPr lang="ko-KR" altLang="en-US" sz="3200"/>
               <a:t>실제 코딩시 문제점</a:t>
             </a:r>
-            <a:endParaRPr lang="ko-KR" altLang="en-US"/>
+            <a:endParaRPr lang="ko-KR" altLang="en-US" sz="3200"/>
           </a:p>
           <a:p>
             <a:pPr marL="404000" indent="-444000">
@@ -9475,10 +9475,10 @@
               <a:defRPr/>
             </a:pPr>
             <a:r>
-              <a:rPr lang="ko-KR" altLang="en-US"/>
+              <a:rPr lang="ko-KR" altLang="en-US" sz="3200"/>
               <a:t>해결 방법</a:t>
             </a:r>
-            <a:endParaRPr lang="ko-KR" altLang="en-US"/>
+            <a:endParaRPr lang="ko-KR" altLang="en-US" sz="3200"/>
           </a:p>
           <a:p>
             <a:pPr marL="404000" indent="-444000">
@@ -9486,21 +9486,10 @@
               <a:defRPr/>
             </a:pPr>
             <a:r>
-              <a:rPr lang="ko-KR" altLang="en-US"/>
-              <a:t>코드 리뷰</a:t>
-            </a:r>
-            <a:endParaRPr lang="ko-KR" altLang="en-US"/>
-          </a:p>
-          <a:p>
-            <a:pPr marL="404000" indent="-444000">
-              <a:buAutoNum type="circleNumDbPlain"/>
-              <a:defRPr/>
-            </a:pPr>
-            <a:r>
-              <a:rPr lang="ko-KR" altLang="en-US"/>
-              <a:t>실행</a:t>
-            </a:r>
-            <a:endParaRPr lang="ko-KR" altLang="en-US"/>
+              <a:rPr lang="ko-KR" altLang="en-US" sz="3200"/>
+              <a:t>코드 리뷰 및 실행</a:t>
+            </a:r>
+            <a:endParaRPr lang="ko-KR" altLang="en-US" sz="3200"/>
           </a:p>
         </p:txBody>
       </p:sp>
@@ -11780,7 +11769,7 @@
             </a:r>
             <a:r>
               <a:rPr lang="ko-KR" altLang="en-US"/>
-              <a:t> 처음 겹치는 구간이 나오면 그 구간을 출력하게 수정</a:t>
+              <a:t> 처음 겹치는 구간이 나오면 바로 그 구간을 출력하게 수정</a:t>
             </a:r>
             <a:endParaRPr lang="ko-KR" altLang="en-US"/>
           </a:p>
@@ -12299,7 +12288,7 @@
           <p:nvPr/>
         </p:nvCxnSpPr>
         <p:spPr>
-          <a:xfrm rot="16200000" flipH="1" flipV="1">
+          <a:xfrm rot="16200000" flipH="1">
             <a:off x="2801982" y="3658624"/>
             <a:ext cx="1522506" cy="0"/>
           </a:xfrm>
@@ -12333,7 +12322,7 @@
           <p:nvPr/>
         </p:nvCxnSpPr>
         <p:spPr>
-          <a:xfrm rot="16200000" flipH="1" flipV="1">
+          <a:xfrm rot="16200000" flipH="1">
             <a:off x="2838015" y="5543818"/>
             <a:ext cx="1450440" cy="0"/>
           </a:xfrm>
@@ -13178,7 +13167,7 @@
           <p:nvPr/>
         </p:nvCxnSpPr>
         <p:spPr>
-          <a:xfrm flipV="1">
+          <a:xfrm>
             <a:off x="3942828" y="6667759"/>
             <a:ext cx="2367373" cy="0"/>
           </a:xfrm>
@@ -13505,8 +13494,8 @@
         </p:nvSpPr>
         <p:spPr>
           <a:xfrm>
-            <a:off x="1599313" y="1800889"/>
-            <a:ext cx="8937995" cy="1607156"/>
+            <a:off x="1422104" y="2572414"/>
+            <a:ext cx="9392094" cy="1607156"/>
           </a:xfrm>
           <a:prstGeom prst="rect">
             <a:avLst/>
@@ -13522,7 +13511,7 @@
             </a:pPr>
             <a:r>
               <a:rPr lang="ko-KR" altLang="en-US" sz="10000"/>
-              <a:t>코드 리뷰</a:t>
+              <a:t>코드 리뷰 및 실행</a:t>
             </a:r>
             <a:endParaRPr lang="ko-KR" altLang="en-US" sz="10000"/>
           </a:p>
